--- a/Calendario2025/presentaciones/14_POO.pptx
+++ b/Calendario2025/presentaciones/14_POO.pptx
@@ -264,7 +264,7 @@
           <a:p>
             <a:fld id="{DDE721D5-655F-45D2-B717-3C4CD78C8568}" type="datetimeFigureOut">
               <a:rPr lang="es-MX" smtClean="0"/>
-              <a:t>21/08/2024</a:t>
+              <a:t>27/02/2025</a:t>
             </a:fld>
             <a:endParaRPr lang="es-MX" dirty="0"/>
           </a:p>
@@ -1183,7 +1183,7 @@
           <a:p>
             <a:fld id="{B3F3E716-CACC-4490-AD07-F24B6A68DE47}" type="datetimeFigureOut">
               <a:rPr lang="es-MX" smtClean="0"/>
-              <a:t>21/08/2024</a:t>
+              <a:t>27/02/2025</a:t>
             </a:fld>
             <a:endParaRPr lang="es-MX" dirty="0"/>
           </a:p>
@@ -1353,7 +1353,7 @@
           <a:p>
             <a:fld id="{B3F3E716-CACC-4490-AD07-F24B6A68DE47}" type="datetimeFigureOut">
               <a:rPr lang="es-MX" smtClean="0"/>
-              <a:t>21/08/2024</a:t>
+              <a:t>27/02/2025</a:t>
             </a:fld>
             <a:endParaRPr lang="es-MX" dirty="0"/>
           </a:p>
@@ -1533,7 +1533,7 @@
           <a:p>
             <a:fld id="{B3F3E716-CACC-4490-AD07-F24B6A68DE47}" type="datetimeFigureOut">
               <a:rPr lang="es-MX" smtClean="0"/>
-              <a:t>21/08/2024</a:t>
+              <a:t>27/02/2025</a:t>
             </a:fld>
             <a:endParaRPr lang="es-MX" dirty="0"/>
           </a:p>
@@ -1686,7 +1686,7 @@
           <a:p>
             <a:fld id="{1D8BD707-D9CF-40AE-B4C6-C98DA3205C09}" type="datetimeFigureOut">
               <a:rPr lang="en-US" smtClean="0"/>
-              <a:t>8/21/2024</a:t>
+              <a:t>2/27/2025</a:t>
             </a:fld>
             <a:endParaRPr lang="en-US" dirty="0"/>
           </a:p>
@@ -2143,7 +2143,7 @@
           <a:p>
             <a:fld id="{B3F3E716-CACC-4490-AD07-F24B6A68DE47}" type="datetimeFigureOut">
               <a:rPr lang="es-MX" smtClean="0"/>
-              <a:t>21/08/2024</a:t>
+              <a:t>27/02/2025</a:t>
             </a:fld>
             <a:endParaRPr lang="es-MX" dirty="0"/>
           </a:p>
@@ -2389,7 +2389,7 @@
           <a:p>
             <a:fld id="{B3F3E716-CACC-4490-AD07-F24B6A68DE47}" type="datetimeFigureOut">
               <a:rPr lang="es-MX" smtClean="0"/>
-              <a:t>21/08/2024</a:t>
+              <a:t>27/02/2025</a:t>
             </a:fld>
             <a:endParaRPr lang="es-MX" dirty="0"/>
           </a:p>
@@ -2677,7 +2677,7 @@
           <a:p>
             <a:fld id="{B3F3E716-CACC-4490-AD07-F24B6A68DE47}" type="datetimeFigureOut">
               <a:rPr lang="es-MX" smtClean="0"/>
-              <a:t>21/08/2024</a:t>
+              <a:t>27/02/2025</a:t>
             </a:fld>
             <a:endParaRPr lang="es-MX" dirty="0"/>
           </a:p>
@@ -3099,7 +3099,7 @@
           <a:p>
             <a:fld id="{B3F3E716-CACC-4490-AD07-F24B6A68DE47}" type="datetimeFigureOut">
               <a:rPr lang="es-MX" smtClean="0"/>
-              <a:t>21/08/2024</a:t>
+              <a:t>27/02/2025</a:t>
             </a:fld>
             <a:endParaRPr lang="es-MX" dirty="0"/>
           </a:p>
@@ -3217,7 +3217,7 @@
           <a:p>
             <a:fld id="{B3F3E716-CACC-4490-AD07-F24B6A68DE47}" type="datetimeFigureOut">
               <a:rPr lang="es-MX" smtClean="0"/>
-              <a:t>21/08/2024</a:t>
+              <a:t>27/02/2025</a:t>
             </a:fld>
             <a:endParaRPr lang="es-MX" dirty="0"/>
           </a:p>
@@ -3312,7 +3312,7 @@
           <a:p>
             <a:fld id="{B3F3E716-CACC-4490-AD07-F24B6A68DE47}" type="datetimeFigureOut">
               <a:rPr lang="es-MX" smtClean="0"/>
-              <a:t>21/08/2024</a:t>
+              <a:t>27/02/2025</a:t>
             </a:fld>
             <a:endParaRPr lang="es-MX" dirty="0"/>
           </a:p>
@@ -3589,7 +3589,7 @@
           <a:p>
             <a:fld id="{B3F3E716-CACC-4490-AD07-F24B6A68DE47}" type="datetimeFigureOut">
               <a:rPr lang="es-MX" smtClean="0"/>
-              <a:t>21/08/2024</a:t>
+              <a:t>27/02/2025</a:t>
             </a:fld>
             <a:endParaRPr lang="es-MX" dirty="0"/>
           </a:p>
@@ -3842,7 +3842,7 @@
           <a:p>
             <a:fld id="{B3F3E716-CACC-4490-AD07-F24B6A68DE47}" type="datetimeFigureOut">
               <a:rPr lang="es-MX" smtClean="0"/>
-              <a:t>21/08/2024</a:t>
+              <a:t>27/02/2025</a:t>
             </a:fld>
             <a:endParaRPr lang="es-MX" dirty="0"/>
           </a:p>
@@ -4055,7 +4055,7 @@
           <a:p>
             <a:fld id="{B3F3E716-CACC-4490-AD07-F24B6A68DE47}" type="datetimeFigureOut">
               <a:rPr lang="es-MX" smtClean="0"/>
-              <a:t>21/08/2024</a:t>
+              <a:t>27/02/2025</a:t>
             </a:fld>
             <a:endParaRPr lang="es-MX" dirty="0"/>
           </a:p>
@@ -5336,7 +5336,7 @@
               <a:rPr lang="es-ES_tradnl" altLang="es-MX" sz="2500" dirty="0">
                 <a:latin typeface="Dom Casual" charset="0"/>
               </a:rPr>
-              <a:t>Son similares a las  funciones. Pueden recibir parámetros y regresar un valor.</a:t>
+              <a:t>Son similares a las funciones. Pueden recibir parámetros y regresar un valor.</a:t>
             </a:r>
             <a:endParaRPr lang="es-ES_tradnl" altLang="es-MX" sz="2600" dirty="0">
               <a:latin typeface="Dom Casual" charset="0"/>
@@ -7200,20 +7200,12 @@
               </a:spcBef>
             </a:pPr>
             <a:r>
-              <a:rPr lang="en-US" sz="4000" dirty="0" err="1"/>
-              <a:t>Cada</a:t>
-            </a:r>
-            <a:r>
               <a:rPr lang="en-US" sz="4000" dirty="0"/>
-              <a:t> </a:t>
-            </a:r>
-            <a:r>
-              <a:rPr lang="en-US" sz="4000" b="1" dirty="0" err="1"/>
-              <a:t>coche</a:t>
+              <a:t>Cada </a:t>
             </a:r>
             <a:r>
               <a:rPr lang="en-US" sz="4000" b="1" dirty="0"/>
-              <a:t> </a:t>
+              <a:t>Coche </a:t>
             </a:r>
             <a:r>
               <a:rPr lang="en-US" sz="4000" dirty="0"/>
@@ -17113,7 +17105,7 @@
         <p:spPr>
           <a:xfrm>
             <a:off x="5652120" y="4382819"/>
-            <a:ext cx="2916183" cy="1422446"/>
+            <a:ext cx="3024336" cy="1278429"/>
           </a:xfrm>
           <a:prstGeom prst="rect">
             <a:avLst/>
@@ -17302,7 +17294,7 @@
                 </a:solidFill>
                 <a:latin typeface="Dom Casual" charset="0"/>
               </a:rPr>
-              <a:t>.  Cada objeto tendrá estos atributos y estos métodos. </a:t>
+              <a:t>. Cada objeto tendrá estos atributos y estos métodos. </a:t>
             </a:r>
           </a:p>
         </p:txBody>

--- a/Calendario2025/presentaciones/14_POO.pptx
+++ b/Calendario2025/presentaciones/14_POO.pptx
@@ -12982,13 +12982,22 @@
               <a:buNone/>
             </a:pPr>
             <a:r>
+              <a:rPr lang="es-ES_tradnl" altLang="es-MX" sz="1400" b="1" dirty="0" err="1">
+                <a:highlight>
+                  <a:srgbClr val="00FFFF"/>
+                </a:highlight>
+                <a:latin typeface="Dom Casual" charset="0"/>
+              </a:rPr>
+              <a:t>un_ejemplo</a:t>
+            </a:r>
+            <a:r>
               <a:rPr lang="es-ES_tradnl" altLang="es-MX" sz="1400" b="1" dirty="0">
                 <a:highlight>
                   <a:srgbClr val="00FFFF"/>
                 </a:highlight>
                 <a:latin typeface="Dom Casual" charset="0"/>
               </a:rPr>
-              <a:t>Un_ejemplo </a:t>
+              <a:t> </a:t>
             </a:r>
             <a:r>
               <a:rPr lang="es-ES_tradnl" altLang="es-MX" sz="1400" dirty="0">
